--- a/old/python_12_1.pptx
+++ b/old/python_12_1.pptx
@@ -2213,7 +2213,7 @@
           <a:p>
             <a:pPr/>
             <a:r>
-              <a:t>Dr. O’Brien, 12/6/21</a:t>
+              <a:t>Dr. O’Brien, 12/7/21</a:t>
             </a:r>
           </a:p>
         </p:txBody>
@@ -6267,7 +6267,7 @@
               </a:defRPr>
             </a:pPr>
             <a:r>
-              <a:t>Lesson 12.1</a:t>
+              <a:t>Lesson 12.2</a:t>
             </a:r>
           </a:p>
         </p:txBody>
@@ -6322,7 +6322,7 @@
               <a:defRPr sz="1600"/>
             </a:pPr>
             <a:r>
-              <a:t>6 December 2021</a:t>
+              <a:t>7 December 2021</a:t>
             </a:r>
           </a:p>
         </p:txBody>
